--- a/AtomicHunterProduct.pptx
+++ b/AtomicHunterProduct.pptx
@@ -7,16 +7,16 @@
     <p:sldMasterId id="2147483672" r:id="rId3"/>
   </p:sldMasterIdLst>
   <p:notesMasterIdLst>
-    <p:notesMasterId r:id="rId16"/>
+    <p:notesMasterId r:id="rId17"/>
   </p:notesMasterIdLst>
   <p:handoutMasterIdLst>
-    <p:handoutMasterId r:id="rId17"/>
+    <p:handoutMasterId r:id="rId18"/>
   </p:handoutMasterIdLst>
   <p:sldIdLst>
     <p:sldId id="256" r:id="rId4"/>
     <p:sldId id="262" r:id="rId5"/>
-    <p:sldId id="257" r:id="rId6"/>
-    <p:sldId id="259" r:id="rId7"/>
+    <p:sldId id="259" r:id="rId6"/>
+    <p:sldId id="257" r:id="rId7"/>
     <p:sldId id="263" r:id="rId8"/>
     <p:sldId id="264" r:id="rId9"/>
     <p:sldId id="265" r:id="rId10"/>
@@ -24,7 +24,8 @@
     <p:sldId id="267" r:id="rId12"/>
     <p:sldId id="268" r:id="rId13"/>
     <p:sldId id="269" r:id="rId14"/>
-    <p:sldId id="258" r:id="rId15"/>
+    <p:sldId id="270" r:id="rId15"/>
+    <p:sldId id="258" r:id="rId16"/>
   </p:sldIdLst>
   <p:sldSz cx="12192000" cy="6858000"/>
   <p:notesSz cx="6858000" cy="9144000"/>
@@ -130,8 +131,8 @@
           <p14:sldIdLst>
             <p14:sldId id="256"/>
             <p14:sldId id="262"/>
+            <p14:sldId id="259"/>
             <p14:sldId id="257"/>
-            <p14:sldId id="259"/>
             <p14:sldId id="263"/>
             <p14:sldId id="264"/>
             <p14:sldId id="265"/>
@@ -139,6 +140,7 @@
             <p14:sldId id="267"/>
             <p14:sldId id="268"/>
             <p14:sldId id="269"/>
+            <p14:sldId id="270"/>
             <p14:sldId id="258"/>
           </p14:sldIdLst>
         </p14:section>
@@ -6983,7 +6985,12 @@
             <p:ph type="title"/>
           </p:nvPr>
         </p:nvSpPr>
-        <p:spPr/>
+        <p:spPr>
+          <a:xfrm>
+            <a:off x="838200" y="558007"/>
+            <a:ext cx="6619043" cy="514350"/>
+          </a:xfrm>
+        </p:spPr>
         <p:txBody>
           <a:bodyPr>
             <a:normAutofit fontScale="90000"/>
@@ -6992,13 +6999,8 @@
           <a:p>
             <a:r>
               <a:rPr lang="ru-RU" dirty="0"/>
-              <a:t>Отправка </a:t>
-            </a:r>
-            <a:r>
-              <a:rPr lang="ru-RU" dirty="0" err="1"/>
-              <a:t>оффера</a:t>
-            </a:r>
-            <a:endParaRPr lang="ru-RU" dirty="0"/>
+              <a:t>Обратная связь</a:t>
+            </a:r>
           </a:p>
         </p:txBody>
       </p:sp>
@@ -7202,6 +7204,11 @@
           <a:prstGeom prst="rect">
             <a:avLst/>
           </a:prstGeom>
+          <a:ln>
+            <a:solidFill>
+              <a:srgbClr val="02BBB5"/>
+            </a:solidFill>
+          </a:ln>
         </p:spPr>
         <p:style>
           <a:lnRef idx="2">
@@ -7382,40 +7389,10 @@
       </p:grpSpPr>
       <p:sp>
         <p:nvSpPr>
-          <p:cNvPr id="2" name="Заголовок 1">
-            <a:extLst>
-              <a:ext uri="{FF2B5EF4-FFF2-40B4-BE49-F238E27FC236}">
-                <a16:creationId xmlns:a16="http://schemas.microsoft.com/office/drawing/2014/main" id="{7CBB745A-E76C-D27C-F6B8-1C85CCE410AF}"/>
-              </a:ext>
-            </a:extLst>
-          </p:cNvPr>
-          <p:cNvSpPr>
-            <a:spLocks noGrp="1"/>
-          </p:cNvSpPr>
-          <p:nvPr>
-            <p:ph type="title"/>
-          </p:nvPr>
-        </p:nvSpPr>
-        <p:spPr/>
-        <p:txBody>
-          <a:bodyPr>
-            <a:normAutofit fontScale="90000"/>
-          </a:bodyPr>
-          <a:lstStyle/>
-          <a:p>
-            <a:r>
-              <a:rPr lang="ru-RU" dirty="0"/>
-              <a:t>Сколько стоит?</a:t>
-            </a:r>
-          </a:p>
-        </p:txBody>
-      </p:sp>
-      <p:sp>
-        <p:nvSpPr>
-          <p:cNvPr id="18" name="Прямоугольник: скругленные углы 17">
-            <a:extLst>
-              <a:ext uri="{FF2B5EF4-FFF2-40B4-BE49-F238E27FC236}">
-                <a16:creationId xmlns:a16="http://schemas.microsoft.com/office/drawing/2014/main" id="{FBB41596-F04A-FF0D-8DBD-C1BAF2126C34}"/>
+          <p:cNvPr id="26" name="Прямоугольник: скругленные углы 25">
+            <a:extLst>
+              <a:ext uri="{FF2B5EF4-FFF2-40B4-BE49-F238E27FC236}">
+                <a16:creationId xmlns:a16="http://schemas.microsoft.com/office/drawing/2014/main" id="{F149A0AE-C1E3-3FD5-6BE4-BCE356BE5459}"/>
               </a:ext>
             </a:extLst>
           </p:cNvPr>
@@ -7424,8 +7401,8 @@
         </p:nvSpPr>
         <p:spPr>
           <a:xfrm>
-            <a:off x="532669" y="1377220"/>
-            <a:ext cx="11029105" cy="3042652"/>
+            <a:off x="5994915" y="7869684"/>
+            <a:ext cx="2761758" cy="672747"/>
           </a:xfrm>
           <a:prstGeom prst="roundRect">
             <a:avLst/>
@@ -7456,6 +7433,85 @@
       </p:sp>
       <p:sp>
         <p:nvSpPr>
+          <p:cNvPr id="2" name="Заголовок 1">
+            <a:extLst>
+              <a:ext uri="{FF2B5EF4-FFF2-40B4-BE49-F238E27FC236}">
+                <a16:creationId xmlns:a16="http://schemas.microsoft.com/office/drawing/2014/main" id="{7CBB745A-E76C-D27C-F6B8-1C85CCE410AF}"/>
+              </a:ext>
+            </a:extLst>
+          </p:cNvPr>
+          <p:cNvSpPr>
+            <a:spLocks noGrp="1"/>
+          </p:cNvSpPr>
+          <p:nvPr>
+            <p:ph type="title"/>
+          </p:nvPr>
+        </p:nvSpPr>
+        <p:spPr/>
+        <p:txBody>
+          <a:bodyPr>
+            <a:normAutofit fontScale="90000"/>
+          </a:bodyPr>
+          <a:lstStyle/>
+          <a:p>
+            <a:r>
+              <a:rPr lang="ru-RU" dirty="0"/>
+              <a:t>Сколько стоит?</a:t>
+            </a:r>
+          </a:p>
+        </p:txBody>
+      </p:sp>
+      <p:sp>
+        <p:nvSpPr>
+          <p:cNvPr id="18" name="Прямоугольник: скругленные углы 17">
+            <a:extLst>
+              <a:ext uri="{FF2B5EF4-FFF2-40B4-BE49-F238E27FC236}">
+                <a16:creationId xmlns:a16="http://schemas.microsoft.com/office/drawing/2014/main" id="{FBB41596-F04A-FF0D-8DBD-C1BAF2126C34}"/>
+              </a:ext>
+            </a:extLst>
+          </p:cNvPr>
+          <p:cNvSpPr/>
+          <p:nvPr/>
+        </p:nvSpPr>
+        <p:spPr>
+          <a:xfrm>
+            <a:off x="532669" y="1377220"/>
+            <a:ext cx="10821131" cy="3042652"/>
+          </a:xfrm>
+          <a:prstGeom prst="roundRect">
+            <a:avLst/>
+          </a:prstGeom>
+          <a:ln>
+            <a:solidFill>
+              <a:srgbClr val="02BBB5"/>
+            </a:solidFill>
+          </a:ln>
+        </p:spPr>
+        <p:style>
+          <a:lnRef idx="2">
+            <a:schemeClr val="accent3"/>
+          </a:lnRef>
+          <a:fillRef idx="1">
+            <a:schemeClr val="lt1"/>
+          </a:fillRef>
+          <a:effectRef idx="0">
+            <a:schemeClr val="accent3"/>
+          </a:effectRef>
+          <a:fontRef idx="minor">
+            <a:schemeClr val="dk1"/>
+          </a:fontRef>
+        </p:style>
+        <p:txBody>
+          <a:bodyPr rtlCol="0" anchor="ctr"/>
+          <a:lstStyle/>
+          <a:p>
+            <a:pPr algn="ctr"/>
+            <a:endParaRPr lang="ru-RU"/>
+          </a:p>
+        </p:txBody>
+      </p:sp>
+      <p:sp>
+        <p:nvSpPr>
           <p:cNvPr id="9" name="TextBox 8">
             <a:extLst>
               <a:ext uri="{FF2B5EF4-FFF2-40B4-BE49-F238E27FC236}">
@@ -7700,53 +7756,6 @@
           </a:p>
         </p:txBody>
       </p:sp>
-      <p:pic>
-        <p:nvPicPr>
-          <p:cNvPr id="3078" name="Picture 6" descr="Is approximately equal to - Free shapes and symbols icons">
-            <a:extLst>
-              <a:ext uri="{FF2B5EF4-FFF2-40B4-BE49-F238E27FC236}">
-                <a16:creationId xmlns:a16="http://schemas.microsoft.com/office/drawing/2014/main" id="{1A41A087-F922-4E35-9C5A-1BB768BE4F55}"/>
-              </a:ext>
-            </a:extLst>
-          </p:cNvPr>
-          <p:cNvPicPr>
-            <a:picLocks noChangeAspect="1" noChangeArrowheads="1"/>
-          </p:cNvPicPr>
-          <p:nvPr/>
-        </p:nvPicPr>
-        <p:blipFill>
-          <a:blip r:embed="rId2">
-            <a:extLst>
-              <a:ext uri="{28A0092B-C50C-407E-A947-70E740481C1C}">
-                <a14:useLocalDpi xmlns:a14="http://schemas.microsoft.com/office/drawing/2010/main" val="0"/>
-              </a:ext>
-            </a:extLst>
-          </a:blip>
-          <a:srcRect/>
-          <a:stretch>
-            <a:fillRect/>
-          </a:stretch>
-        </p:blipFill>
-        <p:spPr bwMode="auto">
-          <a:xfrm>
-            <a:off x="5628813" y="2276013"/>
-            <a:ext cx="1189052" cy="1189052"/>
-          </a:xfrm>
-          <a:prstGeom prst="rect">
-            <a:avLst/>
-          </a:prstGeom>
-          <a:noFill/>
-          <a:extLst>
-            <a:ext uri="{909E8E84-426E-40DD-AFC4-6F175D3DCCD1}">
-              <a14:hiddenFill xmlns:a14="http://schemas.microsoft.com/office/drawing/2010/main">
-                <a:solidFill>
-                  <a:srgbClr val="FFFFFF"/>
-                </a:solidFill>
-              </a14:hiddenFill>
-            </a:ext>
-          </a:extLst>
-        </p:spPr>
-      </p:pic>
       <p:sp>
         <p:nvSpPr>
           <p:cNvPr id="15" name="Прямоугольник 14">
@@ -7761,7 +7770,7 @@
         </p:nvSpPr>
         <p:spPr>
           <a:xfrm>
-            <a:off x="7075164" y="1922280"/>
+            <a:off x="5943234" y="1922280"/>
             <a:ext cx="3923190" cy="1952532"/>
           </a:xfrm>
           <a:prstGeom prst="rect">
@@ -7795,7 +7804,7 @@
               <a:rPr lang="en-US" sz="3600" dirty="0">
                 <a:ln w="0"/>
                 <a:solidFill>
-                  <a:schemeClr val="tx1"/>
+                  <a:srgbClr val="02BBB5"/>
                 </a:solidFill>
                 <a:effectLst>
                   <a:outerShdw blurRad="38100" dist="19050" dir="2700000" algn="tl" rotWithShape="0">
@@ -7811,7 +7820,7 @@
               <a:rPr lang="ru-RU" sz="3600" dirty="0">
                 <a:ln w="0"/>
                 <a:solidFill>
-                  <a:schemeClr val="tx1"/>
+                  <a:srgbClr val="02BBB5"/>
                 </a:solidFill>
                 <a:effectLst>
                   <a:outerShdw blurRad="38100" dist="19050" dir="2700000" algn="tl" rotWithShape="0">
@@ -7821,8 +7830,37 @@
                   </a:outerShdw>
                 </a:effectLst>
               </a:rPr>
-              <a:t> тысяч рублей</a:t>
-            </a:r>
+              <a:t> тысяч </a:t>
+            </a:r>
+            <a:r>
+              <a:rPr lang="ru-RU" sz="3600" dirty="0" err="1">
+                <a:ln w="0"/>
+                <a:solidFill>
+                  <a:srgbClr val="02BBB5"/>
+                </a:solidFill>
+                <a:effectLst>
+                  <a:outerShdw blurRad="38100" dist="19050" dir="2700000" algn="tl" rotWithShape="0">
+                    <a:schemeClr val="dk1">
+                      <a:alpha val="40000"/>
+                    </a:schemeClr>
+                  </a:outerShdw>
+                </a:effectLst>
+              </a:rPr>
+              <a:t>руб</a:t>
+            </a:r>
+            <a:endParaRPr lang="ru-RU" sz="3600" dirty="0">
+              <a:ln w="0"/>
+              <a:solidFill>
+                <a:srgbClr val="02BBB5"/>
+              </a:solidFill>
+              <a:effectLst>
+                <a:outerShdw blurRad="38100" dist="19050" dir="2700000" algn="tl" rotWithShape="0">
+                  <a:schemeClr val="dk1">
+                    <a:alpha val="40000"/>
+                  </a:schemeClr>
+                </a:outerShdw>
+              </a:effectLst>
+            </a:endParaRPr>
           </a:p>
         </p:txBody>
       </p:sp>
@@ -7846,6 +7884,14 @@
           <a:prstGeom prst="rect">
             <a:avLst/>
           </a:prstGeom>
+          <a:solidFill>
+            <a:srgbClr val="02BBB5"/>
+          </a:solidFill>
+          <a:ln>
+            <a:solidFill>
+              <a:srgbClr val="02BBB5"/>
+            </a:solidFill>
+          </a:ln>
         </p:spPr>
         <p:style>
           <a:lnRef idx="2">
@@ -7907,50 +7953,6 @@
       </p:sp>
       <p:sp>
         <p:nvSpPr>
-          <p:cNvPr id="26" name="Прямоугольник: скругленные углы 25">
-            <a:extLst>
-              <a:ext uri="{FF2B5EF4-FFF2-40B4-BE49-F238E27FC236}">
-                <a16:creationId xmlns:a16="http://schemas.microsoft.com/office/drawing/2014/main" id="{F149A0AE-C1E3-3FD5-6BE4-BCE356BE5459}"/>
-              </a:ext>
-            </a:extLst>
-          </p:cNvPr>
-          <p:cNvSpPr/>
-          <p:nvPr/>
-        </p:nvSpPr>
-        <p:spPr>
-          <a:xfrm>
-            <a:off x="4048217" y="4419872"/>
-            <a:ext cx="7661430" cy="2390671"/>
-          </a:xfrm>
-          <a:prstGeom prst="roundRect">
-            <a:avLst/>
-          </a:prstGeom>
-        </p:spPr>
-        <p:style>
-          <a:lnRef idx="2">
-            <a:schemeClr val="dk1"/>
-          </a:lnRef>
-          <a:fillRef idx="1">
-            <a:schemeClr val="lt1"/>
-          </a:fillRef>
-          <a:effectRef idx="0">
-            <a:schemeClr val="dk1"/>
-          </a:effectRef>
-          <a:fontRef idx="minor">
-            <a:schemeClr val="dk1"/>
-          </a:fontRef>
-        </p:style>
-        <p:txBody>
-          <a:bodyPr rtlCol="0" anchor="ctr"/>
-          <a:lstStyle/>
-          <a:p>
-            <a:pPr algn="ctr"/>
-            <a:endParaRPr lang="ru-RU"/>
-          </a:p>
-        </p:txBody>
-      </p:sp>
-      <p:sp>
-        <p:nvSpPr>
           <p:cNvPr id="20" name="TextBox 19">
             <a:extLst>
               <a:ext uri="{FF2B5EF4-FFF2-40B4-BE49-F238E27FC236}">
@@ -7963,7 +7965,7 @@
         </p:nvSpPr>
         <p:spPr>
           <a:xfrm>
-            <a:off x="4459638" y="6204530"/>
+            <a:off x="4486279" y="5820285"/>
             <a:ext cx="1349407" cy="646331"/>
           </a:xfrm>
           <a:prstGeom prst="rect">
@@ -7999,74 +8001,27 @@
           </a:p>
         </p:txBody>
       </p:sp>
-      <p:pic>
-        <p:nvPicPr>
-          <p:cNvPr id="3080" name="Picture 8">
-            <a:extLst>
-              <a:ext uri="{FF2B5EF4-FFF2-40B4-BE49-F238E27FC236}">
-                <a16:creationId xmlns:a16="http://schemas.microsoft.com/office/drawing/2014/main" id="{C86D9A4F-F9B5-27D3-89A3-3DFD7E0FD983}"/>
-              </a:ext>
-            </a:extLst>
-          </p:cNvPr>
-          <p:cNvPicPr>
-            <a:picLocks noChangeAspect="1" noChangeArrowheads="1"/>
-          </p:cNvPicPr>
+      <p:sp>
+        <p:nvSpPr>
+          <p:cNvPr id="17" name="TextBox 16">
+            <a:extLst>
+              <a:ext uri="{FF2B5EF4-FFF2-40B4-BE49-F238E27FC236}">
+                <a16:creationId xmlns:a16="http://schemas.microsoft.com/office/drawing/2014/main" id="{FD3F61B2-D754-8E77-85CE-DE017BFF7693}"/>
+              </a:ext>
+            </a:extLst>
+          </p:cNvPr>
+          <p:cNvSpPr txBox="1"/>
           <p:nvPr/>
-        </p:nvPicPr>
-        <p:blipFill>
-          <a:blip r:embed="rId3">
-            <a:extLst>
-              <a:ext uri="{28A0092B-C50C-407E-A947-70E740481C1C}">
-                <a14:useLocalDpi xmlns:a14="http://schemas.microsoft.com/office/drawing/2010/main" val="0"/>
-              </a:ext>
-            </a:extLst>
-          </a:blip>
-          <a:srcRect/>
-          <a:stretch>
-            <a:fillRect/>
-          </a:stretch>
-        </p:blipFill>
-        <p:spPr bwMode="auto">
-          <a:xfrm>
-            <a:off x="4219460" y="4581988"/>
-            <a:ext cx="1809966" cy="1809966"/>
+        </p:nvSpPr>
+        <p:spPr>
+          <a:xfrm>
+            <a:off x="4639872" y="4378771"/>
+            <a:ext cx="988941" cy="369332"/>
           </a:xfrm>
           <a:prstGeom prst="rect">
             <a:avLst/>
           </a:prstGeom>
           <a:noFill/>
-          <a:extLst>
-            <a:ext uri="{909E8E84-426E-40DD-AFC4-6F175D3DCCD1}">
-              <a14:hiddenFill xmlns:a14="http://schemas.microsoft.com/office/drawing/2010/main">
-                <a:solidFill>
-                  <a:srgbClr val="FFFFFF"/>
-                </a:solidFill>
-              </a14:hiddenFill>
-            </a:ext>
-          </a:extLst>
-        </p:spPr>
-      </p:pic>
-      <p:sp>
-        <p:nvSpPr>
-          <p:cNvPr id="17" name="TextBox 16">
-            <a:extLst>
-              <a:ext uri="{FF2B5EF4-FFF2-40B4-BE49-F238E27FC236}">
-                <a16:creationId xmlns:a16="http://schemas.microsoft.com/office/drawing/2014/main" id="{FD3F61B2-D754-8E77-85CE-DE017BFF7693}"/>
-              </a:ext>
-            </a:extLst>
-          </p:cNvPr>
-          <p:cNvSpPr txBox="1"/>
-          <p:nvPr/>
-        </p:nvSpPr>
-        <p:spPr>
-          <a:xfrm>
-            <a:off x="4639872" y="4378771"/>
-            <a:ext cx="988941" cy="369332"/>
-          </a:xfrm>
-          <a:prstGeom prst="rect">
-            <a:avLst/>
-          </a:prstGeom>
-          <a:noFill/>
         </p:spPr>
         <p:txBody>
           <a:bodyPr wrap="square" rtlCol="0">
@@ -8082,53 +8037,6 @@
           </a:p>
         </p:txBody>
       </p:sp>
-      <p:pic>
-        <p:nvPicPr>
-          <p:cNvPr id="21" name="Picture 6" descr="Is approximately equal to - Free shapes and symbols icons">
-            <a:extLst>
-              <a:ext uri="{FF2B5EF4-FFF2-40B4-BE49-F238E27FC236}">
-                <a16:creationId xmlns:a16="http://schemas.microsoft.com/office/drawing/2014/main" id="{3673EC27-6DC0-9DC8-2621-4DA846400B39}"/>
-              </a:ext>
-            </a:extLst>
-          </p:cNvPr>
-          <p:cNvPicPr>
-            <a:picLocks noChangeAspect="1" noChangeArrowheads="1"/>
-          </p:cNvPicPr>
-          <p:nvPr/>
-        </p:nvPicPr>
-        <p:blipFill>
-          <a:blip r:embed="rId2">
-            <a:extLst>
-              <a:ext uri="{28A0092B-C50C-407E-A947-70E740481C1C}">
-                <a14:useLocalDpi xmlns:a14="http://schemas.microsoft.com/office/drawing/2010/main" val="0"/>
-              </a:ext>
-            </a:extLst>
-          </a:blip>
-          <a:srcRect/>
-          <a:stretch>
-            <a:fillRect/>
-          </a:stretch>
-        </p:blipFill>
-        <p:spPr bwMode="auto">
-          <a:xfrm>
-            <a:off x="6463353" y="5015478"/>
-            <a:ext cx="1189052" cy="1189052"/>
-          </a:xfrm>
-          <a:prstGeom prst="rect">
-            <a:avLst/>
-          </a:prstGeom>
-          <a:noFill/>
-          <a:extLst>
-            <a:ext uri="{909E8E84-426E-40DD-AFC4-6F175D3DCCD1}">
-              <a14:hiddenFill xmlns:a14="http://schemas.microsoft.com/office/drawing/2010/main">
-                <a:solidFill>
-                  <a:srgbClr val="FFFFFF"/>
-                </a:solidFill>
-              </a14:hiddenFill>
-            </a:ext>
-          </a:extLst>
-        </p:spPr>
-      </p:pic>
       <p:sp>
         <p:nvSpPr>
           <p:cNvPr id="22" name="Прямоугольник 21">
@@ -8143,7 +8051,7 @@
         </p:nvSpPr>
         <p:spPr>
           <a:xfrm>
-            <a:off x="7893828" y="4504514"/>
+            <a:off x="5943234" y="4669354"/>
             <a:ext cx="3923190" cy="1952532"/>
           </a:xfrm>
           <a:prstGeom prst="rect">
@@ -8177,7 +8085,7 @@
               <a:rPr lang="en-US" sz="3600" dirty="0">
                 <a:ln w="0"/>
                 <a:solidFill>
-                  <a:schemeClr val="tx1"/>
+                  <a:srgbClr val="02BBB5"/>
                 </a:solidFill>
                 <a:effectLst>
                   <a:outerShdw blurRad="38100" dist="19050" dir="2700000" algn="tl" rotWithShape="0">
@@ -8193,7 +8101,7 @@
               <a:rPr lang="ru-RU" sz="3600" dirty="0">
                 <a:ln w="0"/>
                 <a:solidFill>
-                  <a:schemeClr val="tx1"/>
+                  <a:srgbClr val="02BBB5"/>
                 </a:solidFill>
                 <a:effectLst>
                   <a:outerShdw blurRad="38100" dist="19050" dir="2700000" algn="tl" rotWithShape="0">
@@ -8203,8 +8111,37 @@
                   </a:outerShdw>
                 </a:effectLst>
               </a:rPr>
-              <a:t> тысяч рублей</a:t>
-            </a:r>
+              <a:t> тысяч </a:t>
+            </a:r>
+            <a:r>
+              <a:rPr lang="ru-RU" sz="3600" dirty="0" err="1">
+                <a:ln w="0"/>
+                <a:solidFill>
+                  <a:srgbClr val="02BBB5"/>
+                </a:solidFill>
+                <a:effectLst>
+                  <a:outerShdw blurRad="38100" dist="19050" dir="2700000" algn="tl" rotWithShape="0">
+                    <a:schemeClr val="dk1">
+                      <a:alpha val="40000"/>
+                    </a:schemeClr>
+                  </a:outerShdw>
+                </a:effectLst>
+              </a:rPr>
+              <a:t>руб</a:t>
+            </a:r>
+            <a:endParaRPr lang="ru-RU" sz="3600" dirty="0">
+              <a:ln w="0"/>
+              <a:solidFill>
+                <a:srgbClr val="02BBB5"/>
+              </a:solidFill>
+              <a:effectLst>
+                <a:outerShdw blurRad="38100" dist="19050" dir="2700000" algn="tl" rotWithShape="0">
+                  <a:schemeClr val="dk1">
+                    <a:alpha val="40000"/>
+                  </a:schemeClr>
+                </a:outerShdw>
+              </a:effectLst>
+            </a:endParaRPr>
           </a:p>
         </p:txBody>
       </p:sp>
@@ -8228,6 +8165,14 @@
           <a:prstGeom prst="rect">
             <a:avLst/>
           </a:prstGeom>
+          <a:solidFill>
+            <a:srgbClr val="02BBB5"/>
+          </a:solidFill>
+          <a:ln>
+            <a:solidFill>
+              <a:srgbClr val="02BBB5"/>
+            </a:solidFill>
+          </a:ln>
         </p:spPr>
         <p:style>
           <a:lnRef idx="2">
@@ -8273,10 +8218,10 @@
           <p:nvPr/>
         </p:nvPicPr>
         <p:blipFill>
-          <a:blip r:embed="rId4">
+          <a:blip r:embed="rId2">
             <a:extLst>
               <a:ext uri="{96DAC541-7B7A-43D3-8B79-37D633B846F1}">
-                <asvg:svgBlip xmlns:asvg="http://schemas.microsoft.com/office/drawing/2016/SVG/main" r:embed="rId5"/>
+                <asvg:svgBlip xmlns:asvg="http://schemas.microsoft.com/office/drawing/2016/SVG/main" r:embed="rId3"/>
               </a:ext>
             </a:extLst>
           </a:blip>
@@ -8286,8 +8231,8 @@
         </p:blipFill>
         <p:spPr>
           <a:xfrm>
-            <a:off x="1025849" y="785911"/>
-            <a:ext cx="3923190" cy="3650199"/>
+            <a:off x="1205042" y="1005925"/>
+            <a:ext cx="3504299" cy="3260456"/>
           </a:xfrm>
           <a:prstGeom prst="rect">
             <a:avLst/>
@@ -8296,64 +8241,114 @@
       </p:pic>
       <p:sp>
         <p:nvSpPr>
-          <p:cNvPr id="23" name="Прямоугольник 22">
-            <a:extLst>
-              <a:ext uri="{FF2B5EF4-FFF2-40B4-BE49-F238E27FC236}">
-                <a16:creationId xmlns:a16="http://schemas.microsoft.com/office/drawing/2014/main" id="{0B7E6C9D-56DB-3AC6-7119-BE759719046C}"/>
-              </a:ext>
-            </a:extLst>
-          </p:cNvPr>
-          <p:cNvSpPr/>
+          <p:cNvPr id="24" name="Заголовок 1">
+            <a:extLst>
+              <a:ext uri="{FF2B5EF4-FFF2-40B4-BE49-F238E27FC236}">
+                <a16:creationId xmlns:a16="http://schemas.microsoft.com/office/drawing/2014/main" id="{34D2DEED-6828-822A-9EF4-683DF65A86E3}"/>
+              </a:ext>
+            </a:extLst>
+          </p:cNvPr>
+          <p:cNvSpPr txBox="1">
+            <a:spLocks/>
+          </p:cNvSpPr>
           <p:nvPr/>
         </p:nvSpPr>
         <p:spPr>
           <a:xfrm>
-            <a:off x="532669" y="4790885"/>
-            <a:ext cx="3252864" cy="1805224"/>
+            <a:off x="1913871" y="5169761"/>
+            <a:ext cx="2023448" cy="514350"/>
+          </a:xfrm>
+          <a:prstGeom prst="rect">
+            <a:avLst/>
+          </a:prstGeom>
+        </p:spPr>
+        <p:txBody>
+          <a:bodyPr vert="horz" lIns="91440" tIns="45720" rIns="91440" bIns="45720" rtlCol="0" anchor="ctr">
+            <a:normAutofit fontScale="90000" lnSpcReduction="20000"/>
+          </a:bodyPr>
+          <a:lstStyle>
+            <a:lvl1pPr algn="l" defTabSz="914400" rtl="0" eaLnBrk="1" latinLnBrk="0" hangingPunct="1">
+              <a:lnSpc>
+                <a:spcPct val="90000"/>
+              </a:lnSpc>
+              <a:spcBef>
+                <a:spcPct val="0"/>
+              </a:spcBef>
+              <a:buNone/>
+              <a:defRPr sz="4400" kern="1200" baseline="0">
+                <a:solidFill>
+                  <a:srgbClr val="02BBB5"/>
+                </a:solidFill>
+                <a:latin typeface="+mj-lt"/>
+                <a:ea typeface="+mj-ea"/>
+                <a:cs typeface="+mj-cs"/>
+              </a:defRPr>
+            </a:lvl1pPr>
+          </a:lstStyle>
+          <a:p>
+            <a:r>
+              <a:rPr lang="ru-RU" sz="2000" dirty="0">
+                <a:ln w="0"/>
+                <a:effectLst>
+                  <a:outerShdw blurRad="38100" dist="19050" dir="2700000" algn="tl" rotWithShape="0">
+                    <a:schemeClr val="dk1">
+                      <a:alpha val="40000"/>
+                    </a:schemeClr>
+                  </a:outerShdw>
+                </a:effectLst>
+              </a:rPr>
+              <a:t>Без учета затрат на оборудование</a:t>
+            </a:r>
+          </a:p>
+        </p:txBody>
+      </p:sp>
+      <p:pic>
+        <p:nvPicPr>
+          <p:cNvPr id="1028" name="Picture 4">
+            <a:extLst>
+              <a:ext uri="{FF2B5EF4-FFF2-40B4-BE49-F238E27FC236}">
+                <a16:creationId xmlns:a16="http://schemas.microsoft.com/office/drawing/2014/main" id="{77AAB10A-3655-6B32-70E3-DF0269FDB235}"/>
+              </a:ext>
+            </a:extLst>
+          </p:cNvPr>
+          <p:cNvPicPr>
+            <a:picLocks noChangeAspect="1" noChangeArrowheads="1"/>
+          </p:cNvPicPr>
+          <p:nvPr/>
+        </p:nvPicPr>
+        <p:blipFill>
+          <a:blip r:embed="rId4">
+            <a:extLst>
+              <a:ext uri="{28A0092B-C50C-407E-A947-70E740481C1C}">
+                <a14:useLocalDpi xmlns:a14="http://schemas.microsoft.com/office/drawing/2010/main" val="0"/>
+              </a:ext>
+            </a:extLst>
+          </a:blip>
+          <a:srcRect/>
+          <a:stretch>
+            <a:fillRect/>
+          </a:stretch>
+        </p:blipFill>
+        <p:spPr bwMode="auto">
+          <a:xfrm>
+            <a:off x="4673507" y="4786194"/>
+            <a:ext cx="820546" cy="1019488"/>
           </a:xfrm>
           <a:prstGeom prst="rect">
             <a:avLst/>
           </a:prstGeom>
           <a:noFill/>
-          <a:ln>
-            <a:noFill/>
-          </a:ln>
-        </p:spPr>
-        <p:style>
-          <a:lnRef idx="0">
-            <a:scrgbClr r="0" g="0" b="0"/>
-          </a:lnRef>
-          <a:fillRef idx="0">
-            <a:scrgbClr r="0" g="0" b="0"/>
-          </a:fillRef>
-          <a:effectRef idx="0">
-            <a:scrgbClr r="0" g="0" b="0"/>
-          </a:effectRef>
-          <a:fontRef idx="minor">
-            <a:schemeClr val="accent1"/>
-          </a:fontRef>
-        </p:style>
-        <p:txBody>
-          <a:bodyPr rtlCol="0" anchor="ctr"/>
-          <a:lstStyle/>
-          <a:p>
-            <a:pPr algn="ctr"/>
-            <a:r>
-              <a:rPr lang="ru-RU" dirty="0">
-                <a:ln w="0"/>
-                <a:effectLst>
-                  <a:outerShdw blurRad="38100" dist="25400" dir="5400000" algn="ctr" rotWithShape="0">
-                    <a:srgbClr val="6E747A">
-                      <a:alpha val="43000"/>
-                    </a:srgbClr>
-                  </a:outerShdw>
-                </a:effectLst>
-              </a:rPr>
-              <a:t>Расчет цены без учета затрат на серверные станции</a:t>
-            </a:r>
-          </a:p>
-        </p:txBody>
-      </p:sp>
+          <a:extLst>
+            <a:ext uri="{909E8E84-426E-40DD-AFC4-6F175D3DCCD1}">
+              <a14:hiddenFill xmlns:a14="http://schemas.microsoft.com/office/drawing/2010/main">
+                <a:solidFill>
+                  <a:srgbClr val="FFFFFF"/>
+                </a:solidFill>
+              </a14:hiddenFill>
+            </a:ext>
+          </a:extLst>
+        </p:spPr>
+      </p:pic>
     </p:spTree>
     <p:extLst>
       <p:ext uri="{BB962C8B-B14F-4D97-AF65-F5344CB8AC3E}">
@@ -8368,6 +8363,167 @@
 </file>
 
 <file path=ppt/slides/slide12.xml><?xml version="1.0" encoding="utf-8"?>
+<p:sld xmlns:a="http://schemas.openxmlformats.org/drawingml/2006/main" xmlns:r="http://schemas.openxmlformats.org/officeDocument/2006/relationships" xmlns:p="http://schemas.openxmlformats.org/presentationml/2006/main">
+  <p:cSld>
+    <p:spTree>
+      <p:nvGrpSpPr>
+        <p:cNvPr id="1" name=""/>
+        <p:cNvGrpSpPr/>
+        <p:nvPr/>
+      </p:nvGrpSpPr>
+      <p:grpSpPr>
+        <a:xfrm>
+          <a:off x="0" y="0"/>
+          <a:ext cx="0" cy="0"/>
+          <a:chOff x="0" y="0"/>
+          <a:chExt cx="0" cy="0"/>
+        </a:xfrm>
+      </p:grpSpPr>
+      <p:sp>
+        <p:nvSpPr>
+          <p:cNvPr id="2" name="Заголовок 1">
+            <a:extLst>
+              <a:ext uri="{FF2B5EF4-FFF2-40B4-BE49-F238E27FC236}">
+                <a16:creationId xmlns:a16="http://schemas.microsoft.com/office/drawing/2014/main" id="{7CBB745A-E76C-D27C-F6B8-1C85CCE410AF}"/>
+              </a:ext>
+            </a:extLst>
+          </p:cNvPr>
+          <p:cNvSpPr>
+            <a:spLocks noGrp="1"/>
+          </p:cNvSpPr>
+          <p:nvPr>
+            <p:ph type="title"/>
+          </p:nvPr>
+        </p:nvSpPr>
+        <p:spPr/>
+        <p:txBody>
+          <a:bodyPr>
+            <a:normAutofit fontScale="90000"/>
+          </a:bodyPr>
+          <a:lstStyle/>
+          <a:p>
+            <a:r>
+              <a:rPr lang="ru-RU" dirty="0"/>
+              <a:t>Планы</a:t>
+            </a:r>
+          </a:p>
+        </p:txBody>
+      </p:sp>
+      <p:sp>
+        <p:nvSpPr>
+          <p:cNvPr id="4" name="Номер слайда 3">
+            <a:extLst>
+              <a:ext uri="{FF2B5EF4-FFF2-40B4-BE49-F238E27FC236}">
+                <a16:creationId xmlns:a16="http://schemas.microsoft.com/office/drawing/2014/main" id="{D9E09F28-D611-72C3-4F2F-4361EE2DF663}"/>
+              </a:ext>
+            </a:extLst>
+          </p:cNvPr>
+          <p:cNvSpPr>
+            <a:spLocks noGrp="1"/>
+          </p:cNvSpPr>
+          <p:nvPr>
+            <p:ph type="sldNum" sz="quarter" idx="12"/>
+          </p:nvPr>
+        </p:nvSpPr>
+        <p:spPr/>
+        <p:txBody>
+          <a:bodyPr/>
+          <a:lstStyle/>
+          <a:p>
+            <a:fld id="{65178B5D-1FA4-8142-9A6F-7E75DC9B1E52}" type="slidenum">
+              <a:rPr lang="ru-RU" smtClean="0"/>
+              <a:t>12</a:t>
+            </a:fld>
+            <a:endParaRPr lang="ru-RU"/>
+          </a:p>
+        </p:txBody>
+      </p:sp>
+      <p:sp>
+        <p:nvSpPr>
+          <p:cNvPr id="23" name="Объект 2">
+            <a:extLst>
+              <a:ext uri="{FF2B5EF4-FFF2-40B4-BE49-F238E27FC236}">
+                <a16:creationId xmlns:a16="http://schemas.microsoft.com/office/drawing/2014/main" id="{88BD42F4-AC59-AF51-42AA-8810336BB280}"/>
+              </a:ext>
+            </a:extLst>
+          </p:cNvPr>
+          <p:cNvSpPr>
+            <a:spLocks noGrp="1"/>
+          </p:cNvSpPr>
+          <p:nvPr>
+            <p:ph idx="1"/>
+          </p:nvPr>
+        </p:nvSpPr>
+        <p:spPr>
+          <a:xfrm>
+            <a:off x="838200" y="1690688"/>
+            <a:ext cx="10515600" cy="4351338"/>
+          </a:xfrm>
+        </p:spPr>
+        <p:txBody>
+          <a:bodyPr/>
+          <a:lstStyle/>
+          <a:p>
+            <a:endParaRPr lang="en-US" dirty="0"/>
+          </a:p>
+          <a:p>
+            <a:r>
+              <a:rPr lang="ru-RU" dirty="0"/>
+              <a:t>Работа с предприятиями Росатома</a:t>
+            </a:r>
+          </a:p>
+          <a:p>
+            <a:r>
+              <a:rPr lang="ru-RU" dirty="0"/>
+              <a:t>Расширение команды: поиск </a:t>
+            </a:r>
+            <a:r>
+              <a:rPr lang="en-US" dirty="0" err="1"/>
+              <a:t>devOps</a:t>
+            </a:r>
+            <a:r>
+              <a:rPr lang="en-US" dirty="0"/>
+              <a:t> </a:t>
+            </a:r>
+            <a:r>
+              <a:rPr lang="ru-RU" dirty="0"/>
+              <a:t>и интегратора</a:t>
+            </a:r>
+          </a:p>
+          <a:p>
+            <a:r>
+              <a:rPr lang="ru-RU" dirty="0"/>
+              <a:t>Расширение функционала: интеграция с популярными агрегаторами вакансий</a:t>
+            </a:r>
+          </a:p>
+          <a:p>
+            <a:endParaRPr lang="ru-RU" dirty="0"/>
+          </a:p>
+          <a:p>
+            <a:endParaRPr lang="ru-RU" dirty="0"/>
+          </a:p>
+          <a:p>
+            <a:endParaRPr lang="ru-RU" dirty="0"/>
+          </a:p>
+          <a:p>
+            <a:endParaRPr lang="ru-RU" dirty="0"/>
+          </a:p>
+        </p:txBody>
+      </p:sp>
+    </p:spTree>
+    <p:extLst>
+      <p:ext uri="{BB962C8B-B14F-4D97-AF65-F5344CB8AC3E}">
+        <p14:creationId xmlns:p14="http://schemas.microsoft.com/office/powerpoint/2010/main" val="687003428"/>
+      </p:ext>
+    </p:extLst>
+  </p:cSld>
+  <p:clrMapOvr>
+    <a:masterClrMapping/>
+  </p:clrMapOvr>
+</p:sld>
+</file>
+
+<file path=ppt/slides/slide13.xml><?xml version="1.0" encoding="utf-8"?>
 <p:sld xmlns:a="http://schemas.openxmlformats.org/drawingml/2006/main" xmlns:r="http://schemas.openxmlformats.org/officeDocument/2006/relationships" xmlns:p="http://schemas.openxmlformats.org/presentationml/2006/main">
   <p:cSld>
     <p:spTree>
@@ -8787,12 +8943,7 @@
             <p:ph type="title"/>
           </p:nvPr>
         </p:nvSpPr>
-        <p:spPr>
-          <a:xfrm>
-            <a:off x="838200" y="558007"/>
-            <a:ext cx="10515600" cy="514350"/>
-          </a:xfrm>
-        </p:spPr>
+        <p:spPr/>
         <p:txBody>
           <a:bodyPr>
             <a:normAutofit fontScale="90000"/>
@@ -8800,70 +8951,13 @@
           <a:lstStyle/>
           <a:p>
             <a:r>
-              <a:rPr lang="ru-RU" dirty="0"/>
-              <a:t>Ресурсы</a:t>
-            </a:r>
-            <a:r>
-              <a:rPr lang="en-US" dirty="0"/>
-              <a:t> (Deploy)</a:t>
-            </a:r>
-            <a:endParaRPr lang="ru-RU" dirty="0">
-              <a:solidFill>
-                <a:srgbClr val="02BBB5"/>
-              </a:solidFill>
-            </a:endParaRPr>
-          </a:p>
-        </p:txBody>
-      </p:sp>
-      <p:sp>
-        <p:nvSpPr>
-          <p:cNvPr id="3" name="Объект 2">
-            <a:extLst>
-              <a:ext uri="{FF2B5EF4-FFF2-40B4-BE49-F238E27FC236}">
-                <a16:creationId xmlns:a16="http://schemas.microsoft.com/office/drawing/2014/main" id="{174F5793-3952-F9E2-0A01-9AC2F882227A}"/>
-              </a:ext>
-            </a:extLst>
-          </p:cNvPr>
-          <p:cNvSpPr>
-            <a:spLocks noGrp="1"/>
-          </p:cNvSpPr>
-          <p:nvPr>
-            <p:ph idx="1"/>
-          </p:nvPr>
-        </p:nvSpPr>
-        <p:spPr>
-          <a:xfrm>
-            <a:off x="838200" y="1690688"/>
-            <a:ext cx="10515600" cy="4351338"/>
-          </a:xfrm>
-        </p:spPr>
-        <p:txBody>
-          <a:bodyPr/>
-          <a:lstStyle/>
-          <a:p>
-            <a:r>
-              <a:rPr lang="en-US" dirty="0"/>
-              <a:t>Java</a:t>
-            </a:r>
-          </a:p>
-          <a:p>
-            <a:r>
-              <a:rPr lang="en-US" dirty="0"/>
-              <a:t>Nginx</a:t>
-            </a:r>
-          </a:p>
-          <a:p>
-            <a:r>
-              <a:rPr lang="en-US" dirty="0"/>
-              <a:t>Postgres</a:t>
-            </a:r>
-          </a:p>
-          <a:p>
-            <a:r>
-              <a:rPr lang="en-US" dirty="0" err="1"/>
-              <a:t>Js</a:t>
-            </a:r>
-            <a:endParaRPr lang="ru-RU" dirty="0"/>
+              <a:rPr lang="ru-RU" dirty="0">
+                <a:solidFill>
+                  <a:srgbClr val="02BBB5"/>
+                </a:solidFill>
+              </a:rPr>
+              <a:t>Технологии</a:t>
+            </a:r>
           </a:p>
         </p:txBody>
       </p:sp>
@@ -8896,10 +8990,292 @@
           </a:p>
         </p:txBody>
       </p:sp>
+      <p:pic>
+        <p:nvPicPr>
+          <p:cNvPr id="1026" name="Picture 2">
+            <a:extLst>
+              <a:ext uri="{FF2B5EF4-FFF2-40B4-BE49-F238E27FC236}">
+                <a16:creationId xmlns:a16="http://schemas.microsoft.com/office/drawing/2014/main" id="{D735AFAB-01E8-BEBA-3D60-7A0E933593D8}"/>
+              </a:ext>
+            </a:extLst>
+          </p:cNvPr>
+          <p:cNvPicPr>
+            <a:picLocks noChangeAspect="1" noChangeArrowheads="1"/>
+          </p:cNvPicPr>
+          <p:nvPr/>
+        </p:nvPicPr>
+        <p:blipFill>
+          <a:blip r:embed="rId2">
+            <a:extLst>
+              <a:ext uri="{28A0092B-C50C-407E-A947-70E740481C1C}">
+                <a14:useLocalDpi xmlns:a14="http://schemas.microsoft.com/office/drawing/2010/main" val="0"/>
+              </a:ext>
+            </a:extLst>
+          </a:blip>
+          <a:srcRect/>
+          <a:stretch>
+            <a:fillRect/>
+          </a:stretch>
+        </p:blipFill>
+        <p:spPr bwMode="auto">
+          <a:xfrm>
+            <a:off x="879296" y="1347565"/>
+            <a:ext cx="1814089" cy="1814089"/>
+          </a:xfrm>
+          <a:prstGeom prst="rect">
+            <a:avLst/>
+          </a:prstGeom>
+          <a:noFill/>
+          <a:extLst>
+            <a:ext uri="{909E8E84-426E-40DD-AFC4-6F175D3DCCD1}">
+              <a14:hiddenFill xmlns:a14="http://schemas.microsoft.com/office/drawing/2010/main">
+                <a:solidFill>
+                  <a:srgbClr val="FFFFFF"/>
+                </a:solidFill>
+              </a14:hiddenFill>
+            </a:ext>
+          </a:extLst>
+        </p:spPr>
+      </p:pic>
+      <p:pic>
+        <p:nvPicPr>
+          <p:cNvPr id="1028" name="Picture 4" descr="Java Logo PNG Vector (SVG) Free Download">
+            <a:extLst>
+              <a:ext uri="{FF2B5EF4-FFF2-40B4-BE49-F238E27FC236}">
+                <a16:creationId xmlns:a16="http://schemas.microsoft.com/office/drawing/2014/main" id="{836116D9-D30F-29A1-6DCA-3AB2123E4E84}"/>
+              </a:ext>
+            </a:extLst>
+          </p:cNvPr>
+          <p:cNvPicPr>
+            <a:picLocks noChangeAspect="1" noChangeArrowheads="1"/>
+          </p:cNvPicPr>
+          <p:nvPr/>
+        </p:nvPicPr>
+        <p:blipFill>
+          <a:blip r:embed="rId3">
+            <a:extLst>
+              <a:ext uri="{28A0092B-C50C-407E-A947-70E740481C1C}">
+                <a14:useLocalDpi xmlns:a14="http://schemas.microsoft.com/office/drawing/2010/main" val="0"/>
+              </a:ext>
+            </a:extLst>
+          </a:blip>
+          <a:srcRect/>
+          <a:stretch>
+            <a:fillRect/>
+          </a:stretch>
+        </p:blipFill>
+        <p:spPr bwMode="auto">
+          <a:xfrm>
+            <a:off x="5352785" y="1326369"/>
+            <a:ext cx="1342426" cy="1814089"/>
+          </a:xfrm>
+          <a:prstGeom prst="rect">
+            <a:avLst/>
+          </a:prstGeom>
+          <a:noFill/>
+          <a:extLst>
+            <a:ext uri="{909E8E84-426E-40DD-AFC4-6F175D3DCCD1}">
+              <a14:hiddenFill xmlns:a14="http://schemas.microsoft.com/office/drawing/2010/main">
+                <a:solidFill>
+                  <a:srgbClr val="FFFFFF"/>
+                </a:solidFill>
+              </a14:hiddenFill>
+            </a:ext>
+          </a:extLst>
+        </p:spPr>
+      </p:pic>
+      <p:pic>
+        <p:nvPicPr>
+          <p:cNvPr id="1032" name="Picture 8" descr="Download PostgreSQL Logo in SVG Vector or PNG File Format - Logo.wine">
+            <a:extLst>
+              <a:ext uri="{FF2B5EF4-FFF2-40B4-BE49-F238E27FC236}">
+                <a16:creationId xmlns:a16="http://schemas.microsoft.com/office/drawing/2014/main" id="{FDDB294A-34F8-CCC9-AC56-117ACB5871A8}"/>
+              </a:ext>
+            </a:extLst>
+          </p:cNvPr>
+          <p:cNvPicPr>
+            <a:picLocks noChangeAspect="1" noChangeArrowheads="1"/>
+          </p:cNvPicPr>
+          <p:nvPr/>
+        </p:nvPicPr>
+        <p:blipFill>
+          <a:blip r:embed="rId4">
+            <a:extLst>
+              <a:ext uri="{28A0092B-C50C-407E-A947-70E740481C1C}">
+                <a14:useLocalDpi xmlns:a14="http://schemas.microsoft.com/office/drawing/2010/main" val="0"/>
+              </a:ext>
+            </a:extLst>
+          </a:blip>
+          <a:srcRect/>
+          <a:stretch>
+            <a:fillRect/>
+          </a:stretch>
+        </p:blipFill>
+        <p:spPr bwMode="auto">
+          <a:xfrm>
+            <a:off x="8416196" y="1347565"/>
+            <a:ext cx="2892398" cy="1928265"/>
+          </a:xfrm>
+          <a:prstGeom prst="rect">
+            <a:avLst/>
+          </a:prstGeom>
+          <a:noFill/>
+          <a:extLst>
+            <a:ext uri="{909E8E84-426E-40DD-AFC4-6F175D3DCCD1}">
+              <a14:hiddenFill xmlns:a14="http://schemas.microsoft.com/office/drawing/2010/main">
+                <a:solidFill>
+                  <a:srgbClr val="FFFFFF"/>
+                </a:solidFill>
+              </a14:hiddenFill>
+            </a:ext>
+          </a:extLst>
+        </p:spPr>
+      </p:pic>
+      <p:pic>
+        <p:nvPicPr>
+          <p:cNvPr id="1036" name="Picture 12" descr="Spring Boot">
+            <a:extLst>
+              <a:ext uri="{FF2B5EF4-FFF2-40B4-BE49-F238E27FC236}">
+                <a16:creationId xmlns:a16="http://schemas.microsoft.com/office/drawing/2014/main" id="{F4BB0640-1D37-38B8-CF01-0E663F7E83A5}"/>
+              </a:ext>
+            </a:extLst>
+          </p:cNvPr>
+          <p:cNvPicPr>
+            <a:picLocks noChangeAspect="1" noChangeArrowheads="1"/>
+          </p:cNvPicPr>
+          <p:nvPr/>
+        </p:nvPicPr>
+        <p:blipFill>
+          <a:blip r:embed="rId5">
+            <a:extLst>
+              <a:ext uri="{28A0092B-C50C-407E-A947-70E740481C1C}">
+                <a14:useLocalDpi xmlns:a14="http://schemas.microsoft.com/office/drawing/2010/main" val="0"/>
+              </a:ext>
+            </a:extLst>
+          </a:blip>
+          <a:srcRect/>
+          <a:stretch>
+            <a:fillRect/>
+          </a:stretch>
+        </p:blipFill>
+        <p:spPr bwMode="auto">
+          <a:xfrm>
+            <a:off x="770110" y="4079553"/>
+            <a:ext cx="2011047" cy="1807396"/>
+          </a:xfrm>
+          <a:prstGeom prst="rect">
+            <a:avLst/>
+          </a:prstGeom>
+          <a:noFill/>
+          <a:extLst>
+            <a:ext uri="{909E8E84-426E-40DD-AFC4-6F175D3DCCD1}">
+              <a14:hiddenFill xmlns:a14="http://schemas.microsoft.com/office/drawing/2010/main">
+                <a:solidFill>
+                  <a:srgbClr val="FFFFFF"/>
+                </a:solidFill>
+              </a14:hiddenFill>
+            </a:ext>
+          </a:extLst>
+        </p:spPr>
+      </p:pic>
+      <p:pic>
+        <p:nvPicPr>
+          <p:cNvPr id="1038" name="Picture 14" descr="primeng-logo – PrimeFaces">
+            <a:extLst>
+              <a:ext uri="{FF2B5EF4-FFF2-40B4-BE49-F238E27FC236}">
+                <a16:creationId xmlns:a16="http://schemas.microsoft.com/office/drawing/2014/main" id="{6F4F0202-8137-59BF-AB27-7F6D6CCDFA8F}"/>
+              </a:ext>
+            </a:extLst>
+          </p:cNvPr>
+          <p:cNvPicPr>
+            <a:picLocks noChangeAspect="1" noChangeArrowheads="1"/>
+          </p:cNvPicPr>
+          <p:nvPr/>
+        </p:nvPicPr>
+        <p:blipFill>
+          <a:blip r:embed="rId6">
+            <a:extLst>
+              <a:ext uri="{28A0092B-C50C-407E-A947-70E740481C1C}">
+                <a14:useLocalDpi xmlns:a14="http://schemas.microsoft.com/office/drawing/2010/main" val="0"/>
+              </a:ext>
+            </a:extLst>
+          </a:blip>
+          <a:srcRect/>
+          <a:stretch>
+            <a:fillRect/>
+          </a:stretch>
+        </p:blipFill>
+        <p:spPr bwMode="auto">
+          <a:xfrm>
+            <a:off x="5135787" y="4079553"/>
+            <a:ext cx="1920425" cy="1920425"/>
+          </a:xfrm>
+          <a:prstGeom prst="rect">
+            <a:avLst/>
+          </a:prstGeom>
+          <a:noFill/>
+          <a:extLst>
+            <a:ext uri="{909E8E84-426E-40DD-AFC4-6F175D3DCCD1}">
+              <a14:hiddenFill xmlns:a14="http://schemas.microsoft.com/office/drawing/2010/main">
+                <a:solidFill>
+                  <a:srgbClr val="FFFFFF"/>
+                </a:solidFill>
+              </a14:hiddenFill>
+            </a:ext>
+          </a:extLst>
+        </p:spPr>
+      </p:pic>
+      <p:pic>
+        <p:nvPicPr>
+          <p:cNvPr id="1040" name="Picture 16" descr="New Logo, We Are AG Grid">
+            <a:extLst>
+              <a:ext uri="{FF2B5EF4-FFF2-40B4-BE49-F238E27FC236}">
+                <a16:creationId xmlns:a16="http://schemas.microsoft.com/office/drawing/2014/main" id="{40A55501-5789-EA2B-24CE-E95B2C86163F}"/>
+              </a:ext>
+            </a:extLst>
+          </p:cNvPr>
+          <p:cNvPicPr>
+            <a:picLocks noChangeAspect="1" noChangeArrowheads="1"/>
+          </p:cNvPicPr>
+          <p:nvPr/>
+        </p:nvPicPr>
+        <p:blipFill>
+          <a:blip r:embed="rId7">
+            <a:extLst>
+              <a:ext uri="{28A0092B-C50C-407E-A947-70E740481C1C}">
+                <a14:useLocalDpi xmlns:a14="http://schemas.microsoft.com/office/drawing/2010/main" val="0"/>
+              </a:ext>
+            </a:extLst>
+          </a:blip>
+          <a:srcRect/>
+          <a:stretch>
+            <a:fillRect/>
+          </a:stretch>
+        </p:blipFill>
+        <p:spPr bwMode="auto">
+          <a:xfrm>
+            <a:off x="7437433" y="4195222"/>
+            <a:ext cx="4584073" cy="1591692"/>
+          </a:xfrm>
+          <a:prstGeom prst="rect">
+            <a:avLst/>
+          </a:prstGeom>
+          <a:noFill/>
+          <a:extLst>
+            <a:ext uri="{909E8E84-426E-40DD-AFC4-6F175D3DCCD1}">
+              <a14:hiddenFill xmlns:a14="http://schemas.microsoft.com/office/drawing/2010/main">
+                <a:solidFill>
+                  <a:srgbClr val="FFFFFF"/>
+                </a:solidFill>
+              </a14:hiddenFill>
+            </a:ext>
+          </a:extLst>
+        </p:spPr>
+      </p:pic>
     </p:spTree>
     <p:extLst>
       <p:ext uri="{BB962C8B-B14F-4D97-AF65-F5344CB8AC3E}">
-        <p14:creationId xmlns:p14="http://schemas.microsoft.com/office/powerpoint/2010/main" val="855942472"/>
+        <p14:creationId xmlns:p14="http://schemas.microsoft.com/office/powerpoint/2010/main" val="432579587"/>
       </p:ext>
     </p:extLst>
   </p:cSld>
@@ -8942,7 +9318,12 @@
             <p:ph type="title"/>
           </p:nvPr>
         </p:nvSpPr>
-        <p:spPr/>
+        <p:spPr>
+          <a:xfrm>
+            <a:off x="838200" y="558799"/>
+            <a:ext cx="10515600" cy="514350"/>
+          </a:xfrm>
+        </p:spPr>
         <p:txBody>
           <a:bodyPr>
             <a:normAutofit fontScale="90000"/>
@@ -8950,12 +9331,82 @@
           <a:lstStyle/>
           <a:p>
             <a:r>
-              <a:rPr lang="ru-RU" dirty="0">
-                <a:solidFill>
-                  <a:srgbClr val="02BBB5"/>
-                </a:solidFill>
-              </a:rPr>
-              <a:t>Стек</a:t>
+              <a:rPr lang="ru-RU" dirty="0"/>
+              <a:t>Требуемые ресурсы</a:t>
+            </a:r>
+            <a:endParaRPr lang="ru-RU" dirty="0">
+              <a:solidFill>
+                <a:srgbClr val="02BBB5"/>
+              </a:solidFill>
+            </a:endParaRPr>
+          </a:p>
+        </p:txBody>
+      </p:sp>
+      <p:sp>
+        <p:nvSpPr>
+          <p:cNvPr id="3" name="Объект 2">
+            <a:extLst>
+              <a:ext uri="{FF2B5EF4-FFF2-40B4-BE49-F238E27FC236}">
+                <a16:creationId xmlns:a16="http://schemas.microsoft.com/office/drawing/2014/main" id="{174F5793-3952-F9E2-0A01-9AC2F882227A}"/>
+              </a:ext>
+            </a:extLst>
+          </p:cNvPr>
+          <p:cNvSpPr>
+            <a:spLocks noGrp="1"/>
+          </p:cNvSpPr>
+          <p:nvPr>
+            <p:ph idx="1"/>
+          </p:nvPr>
+        </p:nvSpPr>
+        <p:spPr>
+          <a:xfrm>
+            <a:off x="838200" y="1690688"/>
+            <a:ext cx="10515600" cy="4351338"/>
+          </a:xfrm>
+        </p:spPr>
+        <p:txBody>
+          <a:bodyPr/>
+          <a:lstStyle/>
+          <a:p>
+            <a:endParaRPr lang="en-US" dirty="0"/>
+          </a:p>
+          <a:p>
+            <a:r>
+              <a:rPr lang="ru-RU" dirty="0"/>
+              <a:t>Клиентское устройство с браузером </a:t>
+            </a:r>
+            <a:r>
+              <a:rPr lang="en-US" dirty="0"/>
+              <a:t>Google Chrome </a:t>
+            </a:r>
+            <a:r>
+              <a:rPr lang="ru-RU" dirty="0"/>
+              <a:t>на борту</a:t>
+            </a:r>
+            <a:endParaRPr lang="en-US" dirty="0"/>
+          </a:p>
+          <a:p>
+            <a:r>
+              <a:rPr lang="ru-RU" dirty="0"/>
+              <a:t>Сервер с </a:t>
+            </a:r>
+            <a:r>
+              <a:rPr lang="en-US" dirty="0"/>
+              <a:t>PostgreSQL</a:t>
+            </a:r>
+          </a:p>
+          <a:p>
+            <a:r>
+              <a:rPr lang="ru-RU" dirty="0"/>
+              <a:t>Сервер для развёртки </a:t>
+            </a:r>
+            <a:r>
+              <a:rPr lang="en-US" dirty="0"/>
+              <a:t>Java-</a:t>
+            </a:r>
+            <a:r>
+              <a:rPr lang="ru-RU" dirty="0"/>
+              <a:t>сервиса</a:t>
             </a:r>
           </a:p>
         </p:txBody>
@@ -8989,292 +9440,10 @@
           </a:p>
         </p:txBody>
       </p:sp>
-      <p:pic>
-        <p:nvPicPr>
-          <p:cNvPr id="1026" name="Picture 2">
-            <a:extLst>
-              <a:ext uri="{FF2B5EF4-FFF2-40B4-BE49-F238E27FC236}">
-                <a16:creationId xmlns:a16="http://schemas.microsoft.com/office/drawing/2014/main" id="{D735AFAB-01E8-BEBA-3D60-7A0E933593D8}"/>
-              </a:ext>
-            </a:extLst>
-          </p:cNvPr>
-          <p:cNvPicPr>
-            <a:picLocks noChangeAspect="1" noChangeArrowheads="1"/>
-          </p:cNvPicPr>
-          <p:nvPr/>
-        </p:nvPicPr>
-        <p:blipFill>
-          <a:blip r:embed="rId2">
-            <a:extLst>
-              <a:ext uri="{28A0092B-C50C-407E-A947-70E740481C1C}">
-                <a14:useLocalDpi xmlns:a14="http://schemas.microsoft.com/office/drawing/2010/main" val="0"/>
-              </a:ext>
-            </a:extLst>
-          </a:blip>
-          <a:srcRect/>
-          <a:stretch>
-            <a:fillRect/>
-          </a:stretch>
-        </p:blipFill>
-        <p:spPr bwMode="auto">
-          <a:xfrm>
-            <a:off x="407633" y="1347565"/>
-            <a:ext cx="2166891" cy="2166891"/>
-          </a:xfrm>
-          <a:prstGeom prst="rect">
-            <a:avLst/>
-          </a:prstGeom>
-          <a:noFill/>
-          <a:extLst>
-            <a:ext uri="{909E8E84-426E-40DD-AFC4-6F175D3DCCD1}">
-              <a14:hiddenFill xmlns:a14="http://schemas.microsoft.com/office/drawing/2010/main">
-                <a:solidFill>
-                  <a:srgbClr val="FFFFFF"/>
-                </a:solidFill>
-              </a14:hiddenFill>
-            </a:ext>
-          </a:extLst>
-        </p:spPr>
-      </p:pic>
-      <p:pic>
-        <p:nvPicPr>
-          <p:cNvPr id="1028" name="Picture 4" descr="Java Logo PNG Vector (SVG) Free Download">
-            <a:extLst>
-              <a:ext uri="{FF2B5EF4-FFF2-40B4-BE49-F238E27FC236}">
-                <a16:creationId xmlns:a16="http://schemas.microsoft.com/office/drawing/2014/main" id="{836116D9-D30F-29A1-6DCA-3AB2123E4E84}"/>
-              </a:ext>
-            </a:extLst>
-          </p:cNvPr>
-          <p:cNvPicPr>
-            <a:picLocks noChangeAspect="1" noChangeArrowheads="1"/>
-          </p:cNvPicPr>
-          <p:nvPr/>
-        </p:nvPicPr>
-        <p:blipFill>
-          <a:blip r:embed="rId3">
-            <a:extLst>
-              <a:ext uri="{28A0092B-C50C-407E-A947-70E740481C1C}">
-                <a14:useLocalDpi xmlns:a14="http://schemas.microsoft.com/office/drawing/2010/main" val="0"/>
-              </a:ext>
-            </a:extLst>
-          </a:blip>
-          <a:srcRect/>
-          <a:stretch>
-            <a:fillRect/>
-          </a:stretch>
-        </p:blipFill>
-        <p:spPr bwMode="auto">
-          <a:xfrm>
-            <a:off x="3843581" y="1347565"/>
-            <a:ext cx="1342426" cy="1814089"/>
-          </a:xfrm>
-          <a:prstGeom prst="rect">
-            <a:avLst/>
-          </a:prstGeom>
-          <a:noFill/>
-          <a:extLst>
-            <a:ext uri="{909E8E84-426E-40DD-AFC4-6F175D3DCCD1}">
-              <a14:hiddenFill xmlns:a14="http://schemas.microsoft.com/office/drawing/2010/main">
-                <a:solidFill>
-                  <a:srgbClr val="FFFFFF"/>
-                </a:solidFill>
-              </a14:hiddenFill>
-            </a:ext>
-          </a:extLst>
-        </p:spPr>
-      </p:pic>
-      <p:pic>
-        <p:nvPicPr>
-          <p:cNvPr id="1032" name="Picture 8" descr="Download PostgreSQL Logo in SVG Vector or PNG File Format - Logo.wine">
-            <a:extLst>
-              <a:ext uri="{FF2B5EF4-FFF2-40B4-BE49-F238E27FC236}">
-                <a16:creationId xmlns:a16="http://schemas.microsoft.com/office/drawing/2014/main" id="{FDDB294A-34F8-CCC9-AC56-117ACB5871A8}"/>
-              </a:ext>
-            </a:extLst>
-          </p:cNvPr>
-          <p:cNvPicPr>
-            <a:picLocks noChangeAspect="1" noChangeArrowheads="1"/>
-          </p:cNvPicPr>
-          <p:nvPr/>
-        </p:nvPicPr>
-        <p:blipFill>
-          <a:blip r:embed="rId4">
-            <a:extLst>
-              <a:ext uri="{28A0092B-C50C-407E-A947-70E740481C1C}">
-                <a14:useLocalDpi xmlns:a14="http://schemas.microsoft.com/office/drawing/2010/main" val="0"/>
-              </a:ext>
-            </a:extLst>
-          </a:blip>
-          <a:srcRect/>
-          <a:stretch>
-            <a:fillRect/>
-          </a:stretch>
-        </p:blipFill>
-        <p:spPr bwMode="auto">
-          <a:xfrm>
-            <a:off x="5381590" y="947531"/>
-            <a:ext cx="3850387" cy="2566925"/>
-          </a:xfrm>
-          <a:prstGeom prst="rect">
-            <a:avLst/>
-          </a:prstGeom>
-          <a:noFill/>
-          <a:extLst>
-            <a:ext uri="{909E8E84-426E-40DD-AFC4-6F175D3DCCD1}">
-              <a14:hiddenFill xmlns:a14="http://schemas.microsoft.com/office/drawing/2010/main">
-                <a:solidFill>
-                  <a:srgbClr val="FFFFFF"/>
-                </a:solidFill>
-              </a14:hiddenFill>
-            </a:ext>
-          </a:extLst>
-        </p:spPr>
-      </p:pic>
-      <p:pic>
-        <p:nvPicPr>
-          <p:cNvPr id="1036" name="Picture 12" descr="Spring Boot">
-            <a:extLst>
-              <a:ext uri="{FF2B5EF4-FFF2-40B4-BE49-F238E27FC236}">
-                <a16:creationId xmlns:a16="http://schemas.microsoft.com/office/drawing/2014/main" id="{F4BB0640-1D37-38B8-CF01-0E663F7E83A5}"/>
-              </a:ext>
-            </a:extLst>
-          </p:cNvPr>
-          <p:cNvPicPr>
-            <a:picLocks noChangeAspect="1" noChangeArrowheads="1"/>
-          </p:cNvPicPr>
-          <p:nvPr/>
-        </p:nvPicPr>
-        <p:blipFill>
-          <a:blip r:embed="rId5">
-            <a:extLst>
-              <a:ext uri="{28A0092B-C50C-407E-A947-70E740481C1C}">
-                <a14:useLocalDpi xmlns:a14="http://schemas.microsoft.com/office/drawing/2010/main" val="0"/>
-              </a:ext>
-            </a:extLst>
-          </a:blip>
-          <a:srcRect/>
-          <a:stretch>
-            <a:fillRect/>
-          </a:stretch>
-        </p:blipFill>
-        <p:spPr bwMode="auto">
-          <a:xfrm>
-            <a:off x="415003" y="3979518"/>
-            <a:ext cx="2159521" cy="1940835"/>
-          </a:xfrm>
-          <a:prstGeom prst="rect">
-            <a:avLst/>
-          </a:prstGeom>
-          <a:noFill/>
-          <a:extLst>
-            <a:ext uri="{909E8E84-426E-40DD-AFC4-6F175D3DCCD1}">
-              <a14:hiddenFill xmlns:a14="http://schemas.microsoft.com/office/drawing/2010/main">
-                <a:solidFill>
-                  <a:srgbClr val="FFFFFF"/>
-                </a:solidFill>
-              </a14:hiddenFill>
-            </a:ext>
-          </a:extLst>
-        </p:spPr>
-      </p:pic>
-      <p:pic>
-        <p:nvPicPr>
-          <p:cNvPr id="1038" name="Picture 14" descr="primeng-logo – PrimeFaces">
-            <a:extLst>
-              <a:ext uri="{FF2B5EF4-FFF2-40B4-BE49-F238E27FC236}">
-                <a16:creationId xmlns:a16="http://schemas.microsoft.com/office/drawing/2014/main" id="{6F4F0202-8137-59BF-AB27-7F6D6CCDFA8F}"/>
-              </a:ext>
-            </a:extLst>
-          </p:cNvPr>
-          <p:cNvPicPr>
-            <a:picLocks noChangeAspect="1" noChangeArrowheads="1"/>
-          </p:cNvPicPr>
-          <p:nvPr/>
-        </p:nvPicPr>
-        <p:blipFill>
-          <a:blip r:embed="rId6">
-            <a:extLst>
-              <a:ext uri="{28A0092B-C50C-407E-A947-70E740481C1C}">
-                <a14:useLocalDpi xmlns:a14="http://schemas.microsoft.com/office/drawing/2010/main" val="0"/>
-              </a:ext>
-            </a:extLst>
-          </a:blip>
-          <a:srcRect/>
-          <a:stretch>
-            <a:fillRect/>
-          </a:stretch>
-        </p:blipFill>
-        <p:spPr bwMode="auto">
-          <a:xfrm>
-            <a:off x="3431348" y="3866489"/>
-            <a:ext cx="2166891" cy="2166891"/>
-          </a:xfrm>
-          <a:prstGeom prst="rect">
-            <a:avLst/>
-          </a:prstGeom>
-          <a:noFill/>
-          <a:extLst>
-            <a:ext uri="{909E8E84-426E-40DD-AFC4-6F175D3DCCD1}">
-              <a14:hiddenFill xmlns:a14="http://schemas.microsoft.com/office/drawing/2010/main">
-                <a:solidFill>
-                  <a:srgbClr val="FFFFFF"/>
-                </a:solidFill>
-              </a14:hiddenFill>
-            </a:ext>
-          </a:extLst>
-        </p:spPr>
-      </p:pic>
-      <p:pic>
-        <p:nvPicPr>
-          <p:cNvPr id="1040" name="Picture 16" descr="New Logo, We Are AG Grid">
-            <a:extLst>
-              <a:ext uri="{FF2B5EF4-FFF2-40B4-BE49-F238E27FC236}">
-                <a16:creationId xmlns:a16="http://schemas.microsoft.com/office/drawing/2014/main" id="{40A55501-5789-EA2B-24CE-E95B2C86163F}"/>
-              </a:ext>
-            </a:extLst>
-          </p:cNvPr>
-          <p:cNvPicPr>
-            <a:picLocks noChangeAspect="1" noChangeArrowheads="1"/>
-          </p:cNvPicPr>
-          <p:nvPr/>
-        </p:nvPicPr>
-        <p:blipFill>
-          <a:blip r:embed="rId7">
-            <a:extLst>
-              <a:ext uri="{28A0092B-C50C-407E-A947-70E740481C1C}">
-                <a14:useLocalDpi xmlns:a14="http://schemas.microsoft.com/office/drawing/2010/main" val="0"/>
-              </a:ext>
-            </a:extLst>
-          </a:blip>
-          <a:srcRect/>
-          <a:stretch>
-            <a:fillRect/>
-          </a:stretch>
-        </p:blipFill>
-        <p:spPr bwMode="auto">
-          <a:xfrm>
-            <a:off x="4918997" y="3841642"/>
-            <a:ext cx="6858000" cy="2381250"/>
-          </a:xfrm>
-          <a:prstGeom prst="rect">
-            <a:avLst/>
-          </a:prstGeom>
-          <a:noFill/>
-          <a:extLst>
-            <a:ext uri="{909E8E84-426E-40DD-AFC4-6F175D3DCCD1}">
-              <a14:hiddenFill xmlns:a14="http://schemas.microsoft.com/office/drawing/2010/main">
-                <a:solidFill>
-                  <a:srgbClr val="FFFFFF"/>
-                </a:solidFill>
-              </a14:hiddenFill>
-            </a:ext>
-          </a:extLst>
-        </p:spPr>
-      </p:pic>
     </p:spTree>
     <p:extLst>
       <p:ext uri="{BB962C8B-B14F-4D97-AF65-F5344CB8AC3E}">
-        <p14:creationId xmlns:p14="http://schemas.microsoft.com/office/powerpoint/2010/main" val="432579587"/>
+        <p14:creationId xmlns:p14="http://schemas.microsoft.com/office/powerpoint/2010/main" val="855942472"/>
       </p:ext>
     </p:extLst>
   </p:cSld>
@@ -9326,7 +9495,7 @@
           <a:p>
             <a:r>
               <a:rPr lang="ru-RU" dirty="0"/>
-              <a:t>Бизнес Модель</a:t>
+              <a:t>Бизнес процесс</a:t>
             </a:r>
           </a:p>
         </p:txBody>
@@ -9759,7 +9928,7 @@
           <a:p>
             <a:r>
               <a:rPr lang="ru-RU" dirty="0"/>
-              <a:t>Уведомления по вакансиям</a:t>
+              <a:t>Уведомления</a:t>
             </a:r>
           </a:p>
         </p:txBody>
@@ -10098,7 +10267,7 @@
           <a:p>
             <a:r>
               <a:rPr lang="ru-RU" dirty="0"/>
-              <a:t>Приглашение на собеседование</a:t>
+              <a:t>Собеседование</a:t>
             </a:r>
           </a:p>
         </p:txBody>
@@ -10194,7 +10363,7 @@
         </p:blipFill>
         <p:spPr>
           <a:xfrm>
-            <a:off x="4522813" y="1331589"/>
+            <a:off x="4522813" y="1482513"/>
             <a:ext cx="4782087" cy="5024761"/>
           </a:xfrm>
           <a:prstGeom prst="rect">
@@ -10275,8 +10444,8 @@
         </p:blipFill>
         <p:spPr>
           <a:xfrm>
-            <a:off x="8436005" y="2312725"/>
-            <a:ext cx="3551792" cy="3360106"/>
+            <a:off x="8069802" y="2312725"/>
+            <a:ext cx="3917995" cy="3360106"/>
           </a:xfrm>
           <a:prstGeom prst="rect">
             <a:avLst/>
